--- a/AP_Java/Week7/Week7.pptx
+++ b/AP_Java/Week7/Week7.pptx
@@ -130,6 +130,163 @@
     </p:ext>
   </p:extLst>
 </p:presentation>
+</file>
+
+<file path=ppt/ink/ink1.xml><?xml version="1.0" encoding="utf-8"?>
+<inkml:ink xmlns:inkml="http://www.w3.org/2003/InkML">
+  <inkml:definitions>
+    <inkml:context xml:id="ctx0">
+      <inkml:inkSource xml:id="inkSrc0">
+        <inkml:traceFormat>
+          <inkml:channel name="X" type="integer" min="-2.14748E9" max="2.14748E9" units="cm"/>
+          <inkml:channel name="Y" type="integer" min="-2.14748E9" max="2.14748E9" units="cm"/>
+          <inkml:channel name="F" type="integer" max="32767" units="dev"/>
+        </inkml:traceFormat>
+        <inkml:channelProperties>
+          <inkml:channelProperty channel="X" name="resolution" value="1000" units="1/cm"/>
+          <inkml:channelProperty channel="Y" name="resolution" value="1000" units="1/cm"/>
+          <inkml:channelProperty channel="F" name="resolution" value="0" units="1/dev"/>
+        </inkml:channelProperties>
+      </inkml:inkSource>
+      <inkml:timestamp xml:id="ts0" timeString="2022-11-10T01:40:22.601"/>
+    </inkml:context>
+    <inkml:brush xml:id="br0">
+      <inkml:brushProperty name="width" value="0.05292" units="cm"/>
+      <inkml:brushProperty name="height" value="0.05292" units="cm"/>
+      <inkml:brushProperty name="color" value="#FF0000"/>
+    </inkml:brush>
+  </inkml:definitions>
+  <inkml:trace contextRef="#ctx0" brushRef="#br0">12520 1566 24575,'0'19'0,"0"20"0,0-3 0,0 5 0,0 16 0,0 4 0,0-14 0,0 1 0,0 0 0,0 0 0,0-1 0,0 0 0,0 19 0,0-3 0,0-9 0,0-4 0,0-10 0,0-2 0,0 17 0,0-24 0,0-16 0,0-9 0,0-5 0,0-12 0,0-15 0,0-19 0,2-20 0,3 29 0,1-1 0,3 1 0,2 1 0,1 3 0,3 2 0,15-15 0,0 14 0,-1 11 0,-1 11 0,-2 5 0,-1 3 0,0 3 0,2 7 0,3 10 0,2 15 0,0 12 0,0 8 0,-4 4 0,-3 0 0,-4-3 0,-4-10 0,-5-11 0,-5-14 0,-5-10 0,-1-7 0</inkml:trace>
+  <inkml:trace contextRef="#ctx0" brushRef="#br0" timeOffset="1549">13177 2365 24575,'17'0'0,"4"0"0,1 0 0,2 0 0,-2 0 0,-2 0 0,0 0 0,1-3 0,-3-4 0,-2-2 0,-3-1 0,-4 2 0,-3 2 0,-4 1 0,-1 0 0,1-2 0,2-4 0,0-7 0,2-4 0,0-5 0,-2 0 0,0-1 0,-3 2 0,-1 2 0,0 2 0,-5 5 0,-4 3 0,-3 5 0,-6 5 0,-3 1 0,-6 3 0,-3 0 0,2 1 0,3 3 0,6 5 0,5 5 0,3 3 0,5 1 0,2 1 0,3 4 0,1 3 0,0 2 0,0 0 0,0-1 0,0 1 0,0 2 0,2 2 0,5 0 0,5-1 0,6-4 0,4-5 0,4-6 0,4-6 0,5-4 0,4-4 0,2-2 0,-18 0 0,-5 0 0</inkml:trace>
+  <inkml:trace contextRef="#ctx0" brushRef="#br0" timeOffset="2495">13590 2008 24575,'1'39'0,"5"10"0,-1-16 0,2 1 0,1 4 0,2-1 0,1-2 0,1-1 0,-2-2 0,1-1 0,8 21 0,-3-9 0,-1-6 0,-1-5 0,-2-6 0,-4-6 0,-4-6 0,-2-8 0,-2-2 0</inkml:trace>
+  <inkml:trace contextRef="#ctx0" brushRef="#br0" timeOffset="3412">13869 1950 24575,'0'34'0,"5"11"0,1-12 0,2 2 0,2 4 0,2 2 0,3 2 0,1 1 0,0-1 0,-1-2 0,-2-5 0,0-3 0,11 23 0,-7-19 0,-4-13 0,-1-7 0,-5-5 0,-1-2 0,-3-3 0,-2-3 0</inkml:trace>
+  <inkml:trace contextRef="#ctx0" brushRef="#br0" timeOffset="4699">14287 2310 24575,'0'13'0,"0"17"0,0 14 0,2 11 0,12 4 0,16-10 0,-6-23 0,4-3 0,5-1 0,3-2 0,2-3 0,2-2 0,-2-2 0,1-2 0,-5-4 0,-1-2 0,18 0 0,-15-4 0,-12-1 0,-7-2 0,-7-2 0,-5-4 0,-3-5 0,-2-5 0,-9-11 0,-9-7 0,-12-7 0,-9 0 0,-2 5 0,-1 6 0,3 9 0,1 4 0,5 5 0,3 5 0,3 1 0,1 1 0,1 1 0,1 0 0,4 3 0,2 1 0,4 2 0,2 0 0,2 0 0,4 0 0,2 0 0</inkml:trace>
+  <inkml:trace contextRef="#ctx0" brushRef="#br0" timeOffset="6683">16174 2292 24575,'7'26'0,"7"16"0,12 18 0,-10-27 0,1 1 0,14 20 0,-4-14 0,-6-16 0,-5-10 0,-3-5 0,1-5 0,-6-1 0,1-3 0,-3 0 0,0 0 0,-1 0 0,0 0 0,-2 0 0,-1-2 0,0-4 0,2-12 0,2-14 0,2-13 0,1-8 0,-2 2 0,-1 6 0,-3 10 0,-2 5 0,-1 15 0,1 2 0,1 12 0,-1 1 0,1 3 0,-1 5 0,4 7 0,8 9 0,10 12 0,11 10 0,7 3 0,-2-4 0,-3-10 0,-8-9 0,-6-11 0,-6-6 0,-4-6 0,-1-2 0,-1-1 0,-1-4 0,2-9 0,1-12 0,2-11 0,1-5 0,0 0 0,-4 3 0,-4 1 0,-4-1 0,-3-1 0,0 0 0,0 5 0,0 6 0,0 8 0,0 6 0,0 1 0,0 7 0,0-1 0,0 6 0,0-1 0</inkml:trace>
+  <inkml:trace contextRef="#ctx0" brushRef="#br0" timeOffset="8362">17198 2213 24575,'0'7'0,"0"3"0,1 4 0,5 9 0,5 7 0,6 4 0,5 0 0,0-5 0,1-5 0,-2-4 0,2-4 0,3-3 0,5-5 0,1-3 0,-1-1 0,-4-3 0,-7 1 0,-2-1 0,-1-3 0,1-4 0,1-6 0,-3-8 0,0-10 0,-2-7 0,-2-5 0,-3-2 0,-4 4 0,-3 7 0,-2 3 0,-3 6 0,-4 5 0,-7 5 0,-6 3 0,-7 1 0,-6 1 0,-6 0 0,-6 2 0,-4 3 0,1 2 0,3 2 0,8 0 0,8 0 0,7 0 0,8 0 0,6 0 0,5 0 0</inkml:trace>
+  <inkml:trace contextRef="#ctx0" brushRef="#br0" timeOffset="11283">17790 2097 24575,'4'9'0,"-1"1"0,0 2 0,-1 0 0,-2 0 0,0 0 0,0 4 0,1 3 0,3 3 0,1 2 0,1-2 0,-1-3 0,-2-3 0,-2-5 0,0-3 0,-1-3 0,0-2 0,0-1 0,0 1 0,0 1 0,0 1 0,0 2 0,0-1 0,0 1 0,0 0 0,0-1 0,-3-1 0,2-1 0,-1-1 0,2-9 0,0-3 0,2-7 0,2 2 0,3 0 0,2 2 0,1 1 0,1-2 0,-5 6 0,1-3 0,-4 5 0,1-3 0,0-1 0,0 1 0,-1 0 0,1 0 0,-2 3 0,3-2 0,-1 2 0,4-3 0,2 0 0,3-1 0,-7 5 0,3-2 0,-4 4 0,1 1 0,2-1 0,2 0 0,2 0 0,-2 1 0,-2 0 0,-3 0 0,0-3 0,-4 1 0,2-1 0</inkml:trace>
+  <inkml:trace contextRef="#ctx0" brushRef="#br0" timeOffset="12214">18193 1994 24575,'0'23'0,"0"6"0,0 5 0,0 4 0,0-2 0,0 0 0,3 0 0,4 3 0,2 2 0,3 0 0,-1-6 0,-2-5 0,0-4 0,-2-5 0,-1-3 0,-1-6 0,-2-5 0,-1-3 0</inkml:trace>
+  <inkml:trace contextRef="#ctx0" brushRef="#br0" timeOffset="14129">18765 1995 24575,'0'14'0,"0"15"0,0 26 0,0-20 0,0 1 0,0 5 0,0 1 0,0 0 0,0 1 0,3-2 0,1 1 0,1 1 0,2 0 0,1-3 0,2 0 0,0-5 0,0-2 0,7 17 0,-3-17 0,-7-12 0,-3-10 0,-2-5 0,-2-7 0,0-12 0,-3-14 0,-3-12 0,-4-7 0,-3 0 0,-2 6 0,0 7 0,-1 3 0,-3 0 0,-2 0 0,-2 1 0,0 4 0,-1 4 0,-2 3 0,4 4 0,0 4 0,4 3 0,4 4 0,0 2 0,6 1 0,-1 0 0,4 0 0,-3 0 0,0 3 0,-1 2 0,-1 4 0,2 0 0,1 2 0,3-1 0,2 1 0,2 1 0,0 2 0,0 4 0,3 3 0,3 2 0,5 3 0,6 2 0,6 6 0,7 4 0,6 2 0,0-4 0,-2-8 0,-5-7 0,-4-8 0,-4-5 0,-2-4 0,-4-2 0,-3-2 0,-5 0 0,-4 0 0</inkml:trace>
+  <inkml:trace contextRef="#ctx0" brushRef="#br0" timeOffset="15646">20045 2694 24575,'0'-14'0,"0"5"0,1 0 0,0 6 0,1 0 0,0 2 0,0-1 0,-1 3 0,0 2 0,0 1 0,-1 2 0,0-3 0,0 0 0</inkml:trace>
+  <inkml:trace contextRef="#ctx0" brushRef="#br0" timeOffset="188645">13725 4503 24575,'0'20'0,"0"11"0,0 17 0,0 6 0,0-3 0,0-3 0,0-2 0,0 3 0,0 3 0,0 0 0,0-8 0,0-11 0,0-13 0,0-12 0,0-9 0,0-14 0,2-13 0,4-11 0,6-4 0,7 2 0,3 6 0,2 7 0,0 7 0,-4 8 0,-2 6 0,0 3 0,0 2 0,2 1 0,0 1 0,-2 0 0,-2 2 0,0 2 0,-1 6 0,-1 6 0,0 5 0,-3 3 0,-3 0 0,-2-2 0,-1-3 0,-3-2 0,0-7 0,-1 1 0,2-6 0,1 3 0,-1 0 0,0-1 0,0-2 0,-1-2 0,0-2 0,-1 0 0</inkml:trace>
+  <inkml:trace contextRef="#ctx0" brushRef="#br0" timeOffset="190345">14256 4932 24575,'8'-3'0,"2"0"0,2 3 0,1 0 0,-6 0 0,4 0 0,-1 0 0,3-3 0,3-3 0,-3-4 0,2-2 0,-4 0 0,-2 0 0,-2 2 0,-4-1 0,-2 5 0,-1-3 0,0 5 0,0-3 0,0-3 0,0 4 0,-2-3 0,-2 2 0,-2-2 0,-2-1 0,-2 1 0,-1 2 0,-1 2 0,-1 3 0,1 2 0,-1 0 0,-1 0 0,-1 0 0,1 3 0,0 4 0,1 2 0,1 2 0,-2 1 0,5-5 0,0 3 0,5-4 0,1 2 0,2 0 0,0 1 0,1 2 0,0 1 0,0 3 0,0 5 0,0 4 0,0 2 0,0-1 0,2-2 0,2-3 0,3-2 0,3-4 0,1-2 0,1-1 0,1-2 0,-1-4 0,2-3 0,3-1 0,5-1 0,-9 0 0,-1 0 0</inkml:trace>
+  <inkml:trace contextRef="#ctx0" brushRef="#br0" timeOffset="191529">14762 4489 24575,'0'16'0,"0"8"0,0 13 0,0 8 0,0-2 0,0-3 0,0-6 0,0-5 0,0-2 0,1-1 0,1 0 0,1 0 0,1-3 0,-2-1 0,1-2 0,-1-2 0,-1-3 0,1-1 0,-2 0 0,0-5 0,0 3 0,0-4 0,0-1 0,0-3 0,0-2 0</inkml:trace>
+  <inkml:trace contextRef="#ctx0" brushRef="#br0" timeOffset="192382">15122 4484 24575,'0'18'0,"0"6"0,0 12 0,0 8 0,0 2 0,0 0 0,0-3 0,0-4 0,0-2 0,0-2 0,0-2 0,0-5 0,0-5 0,0-5 0,0-9 0,0-3 0</inkml:trace>
+  <inkml:trace contextRef="#ctx0" brushRef="#br0" timeOffset="194131">15513 4722 24575,'0'6'0,"0"2"0,0 2 0,3 2 0,3 0 0,4 3 0,3 3 0,0 3 0,2 3 0,0 1 0,0-2 0,-1-2 0,-2-5 0,-2-5 0,-1-2 0,1-4 0,2-1 0,3 1 0,5-2 0,4 2 0,2-2 0,-5-1 0,-3-1 0,-4-1 0,-2 0 0,1-2 0,-1-6 0,0-5 0,-2-6 0,-1-2 0,-3 2 0,-3 2 0,-2 2 0,-1 2 0,0 2 0,0 0 0,-3 0 0,-3-2 0,-6-2 0,-5 1 0,-1-1 0,-2 4 0,-3 1 0,-5 2 0,-7 1 0,-3 3 0,-3 1 0,1 1 0,3 2 0,2 0 0,2 0 0,3 0 0,4 0 0,5 0 0,10 0 0,5 0 0</inkml:trace>
+  <inkml:trace contextRef="#ctx0" brushRef="#br0" timeOffset="268397">27466 4937 24575,'0'33'0,"0"21"0,0-17 0,0 3 0,0 11 0,0 3 0,0 5 0,0 2 0,0 1 0,0 1 0,0-18 0,0 0 0,0 0 0,0 17 0,0 0 0,0-1 0,0 0 0,0-1 0,0 0 0,0-2 0,0 0 0,0 1 0,0-1 0,1 0 0,0-1 0,0 0 0,1 0 0,1 0 0,0 0 0,0-2 0,1 1 0,-1-3 0,0 1 0,1-2 0,-1-1 0,-1 0 0,1-1 0,-1 0 0,0 0 0,-1 0 0,1 1 0,-1-2 0,0 1 0,0-1 0,1-1 0,-1-1 0,0-1 0,0 0 0,0-2 0,1 1 0,0 0 0,-1 0 0,1 2 0,0 3 0,1 0 0,0 2 0,0 0 0,0 1 0,0 1 0,1-2 0,-1-1 0,-1-2 0,0-2 0,0-1 0,0-1 0,0-4 0,0-1 0,1-2 0,-1-2 0,1-2 0,0 0 0,1 32 0,-2-3 0,-2-3 0,0-7 0,0-6 0,0-4 0,0-5 0,2-1 0,0-1 0,0 0 0,-1-1 0,-1-4 0,0-2 0,0-4 0,0-2 0,0-3 0,0-4 0,0-3 0,1-3 0,1-3 0,0-3 0,1-4 0,2 0 0,2 0 0,7 0 0,15 0 0,25 0 0,-12-2 0,6-2 0,-5 0 0,3-1 0,3-1-503,-2-2 1,3 0-1,2-2 1,0 0 502,7-1 0,2-1 0,1-1 0,1 0-474,-9 1 0,2-1 1,0 1-1,0-1 1,1 0 473,0 1 0,0-1 0,0 0 0,0 0 0,-2 0 0,8 0 0,-1-1 0,-2 2 0,0-1-197,-5 2 1,-1 0 0,-1 0 0,-2 2 196,6-1 0,-2 0 0,-2 1-38,-7 2 0,-1 0 0,-1 0 38,16-2 0,-1 0 827,-6 2 0,-1 0-827,-1 0 0,0 2 1240,-4 0 0,0 0-1240,0 0 0,-1 1 495,-1 0 0,0-1-495,-3 1 0,0 0 76,1 0 1,-1 1-77,-2 1 0,0 0 0,-3 0 0,-1 0 0,-2 1 0,-1 0 0,28-1 0,0 0 0,1 2 0,2 0 0,-1 0 0,-5 0 0,-6 0 0,-7 0 0,-7 0 0,-4 0 0,-7 0 0,-5 0 0,-4 0 0,-3 0 0,0 0 0,0 0 0,-1 0 0,-1 0 0,-4 0 0,0 0 0,1 0 0,0 0 0,0 0 0,-1 0 0,-2 0 0,-3-1 0,-3-5 0,1-12 0,0-23 0,1-25 0,-3 21 0,1-4 0,-1-9 0,0-3 0,-1 16 0,0 0 0,-1-2-269,-1-3 1,-1-2-1,0 0 269,-2-4 0,-1 0 0,-1 0 0,0-1 0,-1-1 0,0 1 0,1 2 0,-1 1 0,0 0 0,1 4 0,1 1 0,-1 2 0,-1-16 0,1 2 0,0 6 0,1 2 0,2 3 0,0 2 0,1 2 0,1 0 0,-1 0 0,1 2 0,0 1 0,1 1 403,-1 3 0,0 0-403,0 3 0,0 1 0,0 1 0,-1-1 0,1-2 0,0-1 0,-1-3 0,1-2 0,0-4 0,0-1 0,-1-6 0,1 0 0,-2-4 0,1-1 0,-2-2 0,1-1 0,-2 2 0,0 0 0,0 2 0,-1 2 0,-1 4 0,0 2 0,1 6 0,0 1 0,1 5 0,1 2 0,-6-28 0,1 6 0,1 2 0,-1 0 0,1 3 0,0 5 0,1 3 0,1 2 0,1-3 0,-3-3 0,-2-1 0,-1-3 0,-1 4 0,2 3 0,2 4 0,1 5 0,1-1 0,0 2 0,1 2 0,1 2 0,-1 0 0,1-3 0,1-4 0,-1-4 0,-1-3 0,-1 3 0,1 5 0,3 9 0,-1 7 0,3 12 0,-1 3 0</inkml:trace>
+  <inkml:trace contextRef="#ctx0" brushRef="#br0" timeOffset="269944">27359 4521 24575,'0'11'0,"0"8"0,0 13 0,0 12 0,0 7 0,0 3 0,0-3 0,0-2 0,0-4 0,0-5 0,0-2 0,1-4 0,1-4 0,1-1 0,-1-4 0,0-1 0,0-1 0,0-1 0,0-3 0,0-1 0,-1-4 0,-1-4 0,0-4 0,0-3 0</inkml:trace>
+  <inkml:trace contextRef="#ctx0" brushRef="#br0" timeOffset="381696">18157 7245 24575,'20'0'0,"25"0"0,-3 0 0,6 0 0,15 0 0,5 0-669,-15 0 1,2 0 0,1 0 668,3 0 0,1 0 0,0 0 0,2 0 0,1 1 0,-1-2 0,0 0 0,-1 0 0,1-2 0,-4 1 0,1-1 0,-2-1 0,-3 0 0,-1-1 0,-1-1 205,-7 0 1,0-1 0,-2 1-206,15-2 0,-4 0 169,-9 1 0,-4 0-169,19-2 0,-21 5 0,-14 0 1027,-6 2-1027,-12-1 5,1-2 1,-8 3 0,0-1 0</inkml:trace>
+  <inkml:trace contextRef="#ctx0" brushRef="#br0" timeOffset="383477">19207 8223 24575,'-5'0'0,"2"-2"0,1-2 0,1-3 0,1-3 0,1 0 0,2 2 0,4 4 0,6 2 0,5 1 0,3 1 0,0 1 0,-3 2 0,-5 6 0,-5 3 0,-4 2 0,-4-1 0,-1-4 0,-5-4 0,-8-4 0,-11-1 0,-4 0 0,-6 0 0,17 0 0,1-2 0,18 1 0,1-2 0,3 3 0,-1 1 0,-2 2 0,-2 2 0,0 0 0,0-1 0,0-1 0</inkml:trace>
+  <inkml:trace contextRef="#ctx0" brushRef="#br0" timeOffset="408247">12392 9228 24575,'31'0'0,"32"0"0,-12 0 0,5 0 0,-11-1 0,2 0 0,1 0-363,4-1 1,0 0 0,1-1 362,-3 0 0,-1 0 0,1-1 0,-3 0 0,0-1 0,0 0 0,-1 1 0,-1-1 0,-1 0 0,19-2 0,-2-1 178,-2 1 0,-1 0-178,-9 1 0,-3 1 90,-7 0 0,-2 1-90,20-2 0,-16 2 0,-12 1 551,-7 2-551,-11 1 0,-3 0 0,-13 0 0,-16-1 0,-26-2 0,12 2 0,-3 0 0,-8 0 0,-2 0 0,-4 0 0,-1 1 0,0 0 0,1 0 0,2 0 0,1 0 0,3 0 0,1 0 0,3 0 0,2 0 0,2 0 0,0 0 0,1 0 0,0 0 0,1 0 0,0 0 0,1 1 0,-1 0 0,0 0 0,1 0 0,0 0 0,1 1 0,-32 0 0,7 0 0,7 0 0,8 2 0,6-1 0,4-1 0,0-1 0,0-1 0,-1 0 0,0 0 0,5 0 0,6 0 0,7 0 0,9 0 0,40 0 0,14 2 0,-1-1 0,6 0 0,3 0 0,2 1 0,-11-1 0,1 0 0,0-1-140,1 1 1,1-1 0,-1 0 139,2 0 0,-1 0 0,0 0 0,-3 0 0,0 0 0,-1 0 0,15 1 0,-2-2 0,-3 0 0,-1-2 0,-7 0 0,-1-2 0,-2-1 0,0 0 0,-1-2 0,-1-1 0,-1 1 0,0-1 0,0 0 0,0 1 209,-4-2 0,-1 1-209,-2 1 0,-1 1 0,25-5 0,-7 3 0,-3 2 0,1 0 0,0 1 0,-2 1 0,-4 1 0,-7 2 0,-7 2 0,-7 0 0,-7 0 0,-8 0 0,-8 0 0,-14 0 0,-17 0 0,-18 0 0,15 0 0,-3 1 0,-10 1 0,-4 2 0,-7 1 0,-3 2 0,19-2 0,0 0 0,-1 0 0,0 1 0,1-1 0,-1 1 0,-18 3 0,2-1 0,5-1 0,0 1 0,5-1 0,2-1 0,5-1 0,3-1 0,4 0 0,2-2 0,-25 2 0,10-2 0,9 0 0,5 0 0,4 0 0,2 0 0,1 0 0,1 0 0,-1 0 0,-2-1 0,-5-1 0,-3 0 0,-2 0 0,-1 0 0,3 0 0,1 0 0,1 0 0,1 0 0,-1 0 0,3 0 0,3 0 0,6 0 0,6 0 0,8 0 0,7 0 0,7 2 0,11-1 0,12 3 0,12 1 0,9 1 0,1 1 0,-1 1 0,-4-3 0,-3-1 0,3-2 0,4-2 0,6 2 0,8 0 0,4 2 0,1-1 0,-3-1 0,-6 0 0,-5-2 0,-5 0 0,-5 0 0,-3 0 0,-3 0 0,3 0 0,2 0 0,5 0 0,5 0 0,5 0 0,3 0 0,-2 0 0,-3 0 0,-6 0 0,-4 0 0,-1 0 0,0 0 0,1 0 0,-2 0 0,0 0 0,-4 0 0,-3 0 0,-3 0 0,-6 0 0,-4 0 0,-4 0 0,-6 0 0,-7-4-1696,-6-3 0,-2 2 0,-2-1 0</inkml:trace>
+  <inkml:trace contextRef="#ctx0" brushRef="#br0" timeOffset="419380">18595 8763 24575,'0'20'0,"0"17"0,0 26 0,0-23 0,0 2 0,0 2 0,0 1 0,0-4 0,0-2 0,0 24 0,0-20 0,1-16 0,0-13 0,1-9 0,0-8 0,0-11 0,2-16 0,4-18 0,3-16 0,-5 31 0,0-1 0,5-27 0,-2 16 0,-2 14 0,-2 12 0,-2 9 0,0 4 0,0 2 0,-1 1 0,0 0 0,-1-1 0,4-4 0,-3 3 0,1-3 0,-2 4 0,2 1 0,1 2 0,3 1 0,2 8 0,11 18 0,13 23 0,-11-14 0,1 3 0,3 5 0,0 0 0,-1 2 0,-1-1 0,-1-3 0,-2-1 0,-2-6 0,-2-3 0,10 18 0,-7-16 0,-6-12 0,-7-14 0,0-9 0,-5-17 0,1-13 0,3-16 0,0-16 0,-2 29 0,0-2 0,0 0 0,0 0 0,4-28 0,0 16 0,-2 16 0,-2 16 0,-3 10 0,0 5 0</inkml:trace>
+  <inkml:trace contextRef="#ctx0" brushRef="#br0" timeOffset="420493">19498 8885 24575,'0'15'0,"0"8"0,0 13 0,0 8 0,0 2 0,3-1 0,5-4 0,9-4 0,10-6 0,8-7 0,3-4 0,3-4 0,0-6 0,-1-4 0,-4-7 0,-3-11 0,-6-12 0,-6-12 0,-6-9 0,-8-4 0,-6 1 0,-11 3 0,-10 5 0,-12 6 0,-8 8 0,-3 10 0,-4 7 0,-7 6 0,-4 3 0,4 0 0,12 0 0,17 0 0,15 0 0,6 0 0</inkml:trace>
+  <inkml:trace contextRef="#ctx0" brushRef="#br0" timeOffset="421644">20152 8810 24575,'0'12'0,"0"3"0,0 10 0,0 5 0,0 2 0,0-2 0,0-2 0,0-13 0,0 2 0,0-9 0,0 1 0,-1-2 0,-1-4 0,0-3 0,1-6 0,1-9 0,0-10 0,0-9 0,0-5 0,4 0 0,7 1 0,7 4 0,8 2 0,4 4 0,1 3 0,0 2 0,-5 5 0,-5 5 0,-4 4 0,-3 2 0,-2 2 0,1 2 0,-6 2 0,-2 1 0</inkml:trace>
+  <inkml:trace contextRef="#ctx0" brushRef="#br0" timeOffset="422477">20734 8552 24575,'0'52'0,"0"12"0,0-23 0,0 1 0,0 1 0,0 0 0,0 0 0,0-1 0,0-5 0,0-2 0,0 22 0,0-18 0,0-18 0,0-11 0,0-7 0,0-1 0</inkml:trace>
+  <inkml:trace contextRef="#ctx0" brushRef="#br0" timeOffset="424926">21495 8443 24575,'-3'12'0,"0"12"0,3 22 0,0 16 0,0-28 0,0 0 0,0 2 0,0 0 0,0-2 0,0-1 0,1 30 0,1-9 0,1-7 0,2-10 0,-1-7 0,0-5 0,-3-4 0,0-4 0,-1-6 0,0-6 0,-2-18 0,-1-1 0,-2-13 0,-1 6 0,-1 0 0,1 0 0,0 1 0,-1 1 0,1 2 0,0 3 0,0 2 0,0 2 0,-1 3 0,0 1 0,0 1 0,4 2 0,-1-1 0,1 1 0,-2-3 0,-2-1 0,-1 1 0,-1-1 0,3 5 0,-3 0 0,2 2 0,-1 0 0,-3 0 0,-2 0 0,-1 0 0,0 0 0,1 0 0,-2 0 0,6 0 0,-2 1 0,8 2 0,-2 2 0,2 3 0,2 1 0,-2 0 0,1 2 0,-1 0 0,0 0 0,1 0 0,1 0 0,1 0 0,0 0 0,0 2 0,0 1 0,0 4 0,0 4 0,2 4 0,1 2 0,3 0 0,2-2 0,0-2 0,0-5 0,0-4 0,0-4 0,0-4 0,2-4 0,-1-1 0,2-2 0,1 0 0,2 0 0,1 0 0,-1 0 0,-2 0 0,3 0 0,-7 0 0,0 0 0,-6 0 0</inkml:trace>
+  <inkml:trace contextRef="#ctx0" brushRef="#br0" timeOffset="426393">20022 8603 24575,'0'9'0,"0"4"0,0 5 0,0 6 0,1 6 0,3 0 0,1 4 0,2-3 0,0-4 0,-1-2 0,-1-6 0,-2-1 0,0-2 0,-1-2 0,-1 1 0,1-4 0,0-1 0,-1-3 0,2-1 0,0-1 0,-1-1 0,-1-1 0,-1-2 0</inkml:trace>
+  <inkml:trace contextRef="#ctx0" brushRef="#br0" timeOffset="442410">19008 10039 24575,'0'17'0,"0"22"0,0 25 0,0-22 0,0 2 0,0 2 0,0 0 0,0-3 0,0 0 0,0-2 0,0-1 0,0-5 0,0-1 0,0 28 0,0-10 0,0-8 0,0-9 0,0-8 0,0-5 0,0-13 0,0-4 0,3-23 0,6 2 0,8-11 0,6 8 0,5 1 0,-1 0 0,1-2 0,-1-1 0,1-1 0,-2 2 0,-3 3 0,-2 2 0,-4 3 0,-1 1 0,-1 3 0,-1 2 0,1 3 0,-1 2 0,-1 1 0,0 4 0,0 7 0,-1 8 0,0 9 0,-2 6 0,1 7 0,1 3 0,-3 1 0,-2-7 0,-3-11 0,-3-4 0,-1-14 0,0-2 0</inkml:trace>
+  <inkml:trace contextRef="#ctx0" brushRef="#br0" timeOffset="443863">19527 10733 24575,'16'-3'0,"12"0"0,17 3 0,6 0 0,-3 0 0,-10 0 0,-7 0 0,-8-2 0,-5-2 0,-3-6 0,-3-2 0,0-2 0,-3 0 0,-3-2 0,-1-2 0,-2-2 0,-1 3 0,-1 1 0,-1-1 0,-2-1 0,-7-4 0,-9-2 0,-10 2 0,-6 5 0,-3 5 0,1 7 0,1 3 0,3 2 0,3 2 0,3 5 0,2 3 0,5 5 0,4 2 0,4 1 0,5 0 0,4 2 0,1 4 0,1 2 0,0 3 0,1 3 0,7 1 0,7-1 0,8-2 0,5 0 0,-2-5 0,-2-2 0,-3-5 0,-2-6 0,-2-4 0,-1-4 0,-1-3 0,1-1 0,-2 0 0,1 0 0,-1 0 0,2-5-1696,1-9 0,-6 6 0,-3-4 0</inkml:trace>
+  <inkml:trace contextRef="#ctx0" brushRef="#br0" timeOffset="444629">20139 10235 24575,'0'39'0,"0"3"0,0 13 0,0 5 0,0-1 0,0-2 0,0-7 0,0-5 0,1-7 0,0-6 0,1-9 0,-1-9 0,0-8 0,-1-2 0</inkml:trace>
+  <inkml:trace contextRef="#ctx0" brushRef="#br0" timeOffset="445525">20522 10075 24575,'0'31'0,"0"9"0,0 17 0,0-23 0,0 2 0,0 3 0,0 1 0,0 2 0,0 1 0,0-1 0,0 0 0,0 1 0,0-1 0,0-4 0,0 0 0,0 28 0,2-10 0,1-10 0,3-6 0,1-9 0,-2-5 0,-3-9 0,-1-9 0,-1-4 0</inkml:trace>
+  <inkml:trace contextRef="#ctx0" brushRef="#br0" timeOffset="446826">20805 10462 24575,'-3'5'0,"0"8"0,3 12 0,0 12 0,0 6 0,1 0 0,6-5 0,5-9 0,5-9 0,3-4 0,2-6 0,2-4 0,5-3 0,1-3 0,2-1 0,2-2 0,-2-4 0,-2-2 0,-6-3 0,-5-1 0,-4 0 0,-3-1 0,-3 0 0,-1-3 0,-3 1 0,-1-2 0,-3-4 0,-1-5 0,-6-8 0,-9-2 0,-11 0 0,-11 5 0,-8 7 0,-6 7 0,-3 9 0,2 4 0,9 4 0,10 1 0,10 0 0,8 0 0,6 0 0,5 0 0</inkml:trace>
+</inkml:ink>
+</file>
+
+<file path=ppt/ink/ink2.xml><?xml version="1.0" encoding="utf-8"?>
+<inkml:ink xmlns:inkml="http://www.w3.org/2003/InkML">
+  <inkml:definitions>
+    <inkml:context xml:id="ctx0">
+      <inkml:inkSource xml:id="inkSrc0">
+        <inkml:traceFormat>
+          <inkml:channel name="X" type="integer" min="-2.14748E9" max="2.14748E9" units="cm"/>
+          <inkml:channel name="Y" type="integer" min="-2.14748E9" max="2.14748E9" units="cm"/>
+          <inkml:channel name="F" type="integer" max="32767" units="dev"/>
+        </inkml:traceFormat>
+        <inkml:channelProperties>
+          <inkml:channelProperty channel="X" name="resolution" value="1000" units="1/cm"/>
+          <inkml:channelProperty channel="Y" name="resolution" value="1000" units="1/cm"/>
+          <inkml:channelProperty channel="F" name="resolution" value="0" units="1/dev"/>
+        </inkml:channelProperties>
+      </inkml:inkSource>
+      <inkml:timestamp xml:id="ts0" timeString="2022-11-10T01:53:33.316"/>
+    </inkml:context>
+    <inkml:brush xml:id="br0">
+      <inkml:brushProperty name="width" value="0.05292" units="cm"/>
+      <inkml:brushProperty name="height" value="0.05292" units="cm"/>
+      <inkml:brushProperty name="color" value="#FF0000"/>
+    </inkml:brush>
+  </inkml:definitions>
+  <inkml:trace contextRef="#ctx0" brushRef="#br0">18786 3127 24575,'26'0'0,"-1"0"0,5 0 0,-4 0 0,-3 0 0,-5 0 0,-5-1 0,-3 3 0,-2 7 0,0 7 0,-3 7 0,-1-1 0,-3-1 0,-6 0 0,-12 2 0,-16 1 0,-18-1 0,-8-3 0,1-2 0,7-4 0,11-2 0,10-1 0,6-5 0,16-1 0,10-4 0,21-1 0,13 0 0,10 0 0,4 3 0,-5 3 0,-6 2 0,-10 1 0,-7 0 0,-5-1 0,-3 1 0,0 2 0,-7-3 0,1 4 0,-4-3 0,1 2 0,-2 2 0,-2-1 0,0 0 0,-1 1 0,0-1 0,-10 6 0,-21 16 0,4-10 0,0 0 0,-11 8 0,1-1 0</inkml:trace>
+  <inkml:trace contextRef="#ctx0" brushRef="#br0" timeOffset="18348">23864 10464 24575,'24'0'0,"15"-2"0,18-2 0,-22 1 0,0-2 0,30-6 0,-8 1 0,-12 1 0,-15 3 0,-10 4 0,-6-1 0,-6 1 0,-4 1 0,-2-1 0</inkml:trace>
+  <inkml:trace contextRef="#ctx0" brushRef="#br0" timeOffset="19228">24075 10345 24575,'14'13'0,"1"2"0,4 8 0,2 1 0,-2-1 0,0 0 0,-1-4 0,-3-2 0,-2-3 0,-6-7 0,0 0 0,-3-5 0,-1 0 0,0-1 0</inkml:trace>
+  <inkml:trace contextRef="#ctx0" brushRef="#br0" timeOffset="20097">24168 10372 24575,'0'16'0,"0"10"0,0 15 0,0 10 0,0 1 0,0-10 0,0-14 0,0-11 0,0-9 0,0-3 0</inkml:trace>
+  <inkml:trace contextRef="#ctx0" brushRef="#br0" timeOffset="20947">24564 10377 24575,'41'0'0,"2"0"0,7 0 0,-3 0 0,-9 0 0,-7 0 0,-7 0 0,-13 0 0,-3 0 0</inkml:trace>
+  <inkml:trace contextRef="#ctx0" brushRef="#br0" timeOffset="21878">24635 10274 24575,'-2'13'0,"5"3"0,4 6 0,2 1 0,-1-2 0,1 0 0,2 1 0,4 3 0,0-3 0,-1-2 0,-1-4 0,-5-4 0,-2 0 0,-1-3 0,-4-4 0,1-2 0</inkml:trace>
+  <inkml:trace contextRef="#ctx0" brushRef="#br0" timeOffset="22845">24752 10255 24575,'-6'25'0,"-5"12"0,-7 13 0,-6 11 0,-1-1 0,1-4 0,4-13 0,5-10 0,8-18 0,0-4 0,5-11 0,1 0 0</inkml:trace>
+  <inkml:trace contextRef="#ctx0" brushRef="#br0" timeOffset="23779">25071 10420 24575,'6'-3'0,"9"0"0,15 1 0,9-4 0,8-5 0,-1-2 0,-2-2 0,-7 1 0,-8 3 0,-7 2 0,-5 3 0,-6 3 0,-5 1 0,-3 2 0</inkml:trace>
+  <inkml:trace contextRef="#ctx0" brushRef="#br0" timeOffset="24746">25175 10316 24575,'0'13'0,"2"3"0,5 4 0,6 2 0,6 1 0,5 2 0,-2 0 0,-1-2 0,-2-2 0,-4-3 0,-1-3 0,-5-2 0,-3-5 0,-3-4 0,-2-3 0</inkml:trace>
+  <inkml:trace contextRef="#ctx0" brushRef="#br0" timeOffset="25698">25314 10231 24575,'0'25'0,"-2"3"0,-2 8 0,-4 0 0,-3 3 0,-2 2 0,0 0 0,-2 3 0,2-5 0,2-6 0,1-5 0,3-6 0,1-5 0,2-4 0,2-7 0,1-2 0</inkml:trace>
+  <inkml:trace contextRef="#ctx0" brushRef="#br0" timeOffset="29513">19455 3708 24575,'0'14'0,"0"4"0,-2 4 0,-2 4 0,-2-1 0,-3 0 0,-1-1 0,-1-3 0,0-1 0,0-4 0,6-8 0,1-2 0</inkml:trace>
+  <inkml:trace contextRef="#ctx0" brushRef="#br0" timeOffset="31344">20284 3282 24575,'8'0'0,"3"0"0,5 0 0,1 0 0,2 0 0,1 0 0,1 0 0,1 0 0,-2 0 0,-2 0 0,-2 2 0,0 3 0,0 3 0,-1 3 0,-2 2 0,-4 0 0,-2 1 0,-2 2 0,-3 2 0,-1 0 0,-1 2 0,0 2 0,0 6 0,-6 6 0,-8 5 0,-8 0 0,-7-2 0,2-6 0,3-5 0,5-6 0,3-2 0,8-9 0,3-1 0,5-8 0,5-4 0,6-1 0,13-2 0,10 2 0,11 1 0,7 0 0,4 1 0,0 1 0,-6 1 0,-11 1 0,-11 0 0,-11 0 0,-8 0 0,-5 0 0</inkml:trace>
+  <inkml:trace contextRef="#ctx0" brushRef="#br0" timeOffset="36311">23967 11056 24575,'12'0'0,"3"0"0,3 0 0,1 0 0,-1 0 0,-1 0 0,-8 0 0,-3 0 0</inkml:trace>
+  <inkml:trace contextRef="#ctx0" brushRef="#br0" timeOffset="37245">24021 11056 24575,'4'-4'0,"5"2"0,2 2 0,2 0 0,3 0 0,-3 0 0,1 0 0,-1 0 0,-7 0 0,0 0 0</inkml:trace>
+  <inkml:trace contextRef="#ctx0" brushRef="#br0" timeOffset="38445">23889 11025 24575,'16'0'0,"1"0"0,3 0 0,1 0 0,0 2 0,3 5 0,-3 2 0,-2 4 0,-4-1 0,-2-1 0,0-2 0,-1 0 0,0 0 0,1-1 0,-1 0 0,-1-1 0,-3-2 0,-2 0 0,-3-3 0,1 1 0,1 1 0,0-1 0,0 0 0,0-1 0,-1 1 0,2 0 0,-2-1 0,3 3 0,2 1 0,-5-2 0,3 0 0</inkml:trace>
+  <inkml:trace contextRef="#ctx0" brushRef="#br0" timeOffset="39330">24215 10886 24575,'-7'17'0,"-8"9"0,-13 16 0,-12 9 0,19-25 0,-1 0 0,-21 23 0,9-8 0,7-9 0,7-7 0,7-7 0,4-3 0,2-3 0,4-4 0,-3 0 0,1-4 0,2-1 0,1-2 0</inkml:trace>
+  <inkml:trace contextRef="#ctx0" brushRef="#br0" timeOffset="40611">23975 10913 24575,'0'13'0,"0"5"0,0 4 0,0 5 0,0 1 0,0 3 0,1 2 0,2-2 0,3-3 0,2-4 0,1-4 0,-1-3 0,-2-3 0,1-2 0,0-1 0,-1-2 0,1 0 0,-3-5 0,1 0 0,-2-3 0,0 0 0,-2 0 0,1 1 0</inkml:trace>
+  <inkml:trace contextRef="#ctx0" brushRef="#br0" timeOffset="41581">24329 11170 24575,'33'0'0,"4"0"0,9 0 0,0-1 0,-4-2 0,-9 0 0,-7-2 0,-6-1 0,-1 0 0,-2-1 0,1 0 0,-9 4 0,-1-1 0</inkml:trace>
+  <inkml:trace contextRef="#ctx0" brushRef="#br0" timeOffset="42561">24531 11034 24575,'13'4'0,"7"4"0,8 7 0,6 4 0,-1 3 0,-2 0 0,-5-2 0,-6-4 0,-3-1 0,-3-3 0,-2-1 0,-3-3 0,0-2 0,-5-2 0,2 0 0,-3-2 0,-1-1 0,0-1 0</inkml:trace>
+  <inkml:trace contextRef="#ctx0" brushRef="#br0" timeOffset="43496">24769 11035 24575,'-15'4'0,"-4"8"0,-2 5 0,-5 9 0,0 4 0,0 3 0,1 1 0,3-2 0,5-5 0,5-6 0,4-3 0,2-6 0,3-6 0,1-3 0</inkml:trace>
+  <inkml:trace contextRef="#ctx0" brushRef="#br0" timeOffset="44947">24529 11322 24575,'10'-8'0,"1"-1"0,1-1 0,-1 0 0,-1 1 0,-3 1 0,-2 0 0,-2 2 0,0 1 0,3 0 0,-3 1 0,4-1 0,-1 1 0,3-3 0,2 1 0,2-3 0,-1 1 0,2 1 0,1-1 0,-1 3 0,0 0 0,-1 1 0,-1 1 0,1-1 0,-1 0 0,1 0 0,-1 0 0,1-1 0,-1 1 0,0 0 0,1 1 0,1 1 0,0-1 0,1 1 0,-2 0 0,-1-1 0,-5 1 0,1 1 0,-4 1 0,0 0 0,-1 0 0,-2 0 0</inkml:trace>
+  <inkml:trace contextRef="#ctx0" brushRef="#br0" timeOffset="52611">21368 3579 24575,'0'8'0,"0"4"0,0 7 0,0 5 0,0 6 0,0 2 0,0 0 0,0 0 0,0-4 0,-1-6 0,-3-3 0,-3-6 0,-1-5 0,-3-3 0,6-4 0,-1-1 0</inkml:trace>
+  <inkml:trace contextRef="#ctx0" brushRef="#br0" timeOffset="53463">22205 3077 24575,'0'12'0,"0"7"0,0 13 0,0 12 0,0 9 0,0 6 0,0 1 0,0 1 0,0-2 0,0-5 0,0-3 0,0-5 0,0-11 0,0-14 0,0-10 0</inkml:trace>
+  <inkml:trace contextRef="#ctx0" brushRef="#br0" timeOffset="63294">23996 11779 24575,'23'0'0,"9"0"0,7 0 0,8-1 0,-1-1 0,-4-1 0,-6-2 0,-5 0 0,-5 1 0,-4 1 0,-2-1 0,-2 1 0,0-1 0,0 1 0,-2 1 0,-3 1 0,-5 1 0,-4 0 0</inkml:trace>
+  <inkml:trace contextRef="#ctx0" brushRef="#br0" timeOffset="64244">24227 11681 24575,'-3'12'0,"1"5"0,2 9 0,0 1 0,2 1 0,6 0 0,3 0 0,4 0 0,1-2 0,-5-4 0,-3-4 0,-1-3 0,-4-7 0,2 1 0,-2-4 0,2 1 0,-1 0 0,-1-3 0,-1-1 0</inkml:trace>
+  <inkml:trace contextRef="#ctx0" brushRef="#br0" timeOffset="65177">24319 11634 24575,'-15'15'0,"1"1"0,-6 6 0,-1 0 0,-1 2 0,-4 2 0,2 0 0,2-1 0,4-3 0,5-2 0,3-4 0,2-4 0,3-5 0,1-4 0,2-2 0</inkml:trace>
+  <inkml:trace contextRef="#ctx0" brushRef="#br0" timeOffset="68414">22895 3729 24575,'0'12'0,"0"3"0,0 7 0,0 0 0,0-1 0,-1-1 0,-1-2 0,-3-1 0,-3-2 0,-3-1 0,-2-2 0,1-2 0,-1-3 0,1-3 0,0-4 0,3 2 0,1-1 0,0 1 0,4-1 0,1-1 0</inkml:trace>
+  <inkml:trace contextRef="#ctx0" brushRef="#br0" timeOffset="70031">23310 3466 24575,'0'15'0,"0"-5"0,0 8 0,0-4 0,0 4 0,0 0 0,0-2 0,1-2 0,2-2 0,2-4 0,2-3 0,1-2 0,2 0 0,0 2 0,1 1 0,1 0 0,0 0 0,1-1 0,1 0 0,2-2 0,1-2 0,2 0 0,1-1 0,-1-1 0,0-5 0,0-5 0,-2-4 0,-1-3 0,-2 1 0,-1 0 0,-1 0 0,-2-2 0,-4 1 0,-3 2 0,-3-1 0,0 1 0,-2-3 0,-4-1 0,-5-1 0,-4 2 0,-2 3 0,0 5 0,2 5 0,0 3 0,0 2 0,1 1 0,-1 2 0,-2 3 0,-3 3 0,-4 4 0,-1 2 0,-1-1 0,5-2 0,4-3 0,7-1 0,3-6 0,4 2 0,2-3 0</inkml:trace>
+  <inkml:trace contextRef="#ctx0" brushRef="#br0" timeOffset="74428">23913 12683 24575,'26'0'0,"28"4"0,-6 3 0,6 0 0,-9 1 0,2-1 0,0 2-561,6 0 1,1 1 0,1-1 560,2 1 0,0-1 0,1-1 0,1-1 0,0-2 0,1 0 0,0-1 0,0-1 0,0-1 0,-1 0 0,-1-1 0,2-5 0,-6-7 0,3-4 0,-1-2 0,-5 0 0,-1 1 0,-3 0 0,0-4 0,9-9 0,1-5 0,-8 2 272,-11 3 1,-6 2-273,16-10 278,-19 19-278,-12 13 0,0 14 0,5 15 858,9 13-858,9 9 0,2-6 0,3-11 0,13-12 0,-21-13 0,3-1 0,14-2 0,4-2 0,-11 0 0,2-1 0,1 0-178,1 0 0,1 0 0,0 0 178,-1 0 0,0 0 0,0 0 0,16 1 0,-1 0-51,-8 1 1,0 0 50,0 0 0,0 0 0,2 0 0,0 0 0,4 0 0,1 0 0,-21 0 0,1-1 0,0 1 0,0-1 0,1-1 0,-2-1 0,19-1 0,-1-1 0,-4-1 0,-2 0 0,-6-1 0,-1 0 0,-1 1 0,0-1 0,1-1 0,1-1 0,8-2 0,3-1-237,-11 2 0,2 0 0,2-1 237,-7 1 0,3 0 0,0 0 0,1 0 0,2 0 0,1 0 0,0 0 0,-1 1 0,0-1 0,1 1 0,-2 1 0,-1-1 0,10 1 0,-3 0 0,-1 1-16,-9 2 0,-2 2 0,-1 0 16,15 2 0,-2 5 0,-3 8 0,-3 6 0,-1 3 0,-1 5 0,0 3 0,0 2 0,0-1 0,0-3 0,-2-5 0,-1-4 0,-2-3 0,-1-2 0,-6-5 0,-1-2 0,24 2 1238,-16-5-1238,-19-6 0,-13 2 0,-9-2 0</inkml:trace>
+</inkml:ink>
+</file>
+
+<file path=ppt/ink/ink3.xml><?xml version="1.0" encoding="utf-8"?>
+<inkml:ink xmlns:inkml="http://www.w3.org/2003/InkML">
+  <inkml:definitions>
+    <inkml:context xml:id="ctx0">
+      <inkml:inkSource xml:id="inkSrc0">
+        <inkml:traceFormat>
+          <inkml:channel name="X" type="integer" min="-2.14748E9" max="2.14748E9" units="cm"/>
+          <inkml:channel name="Y" type="integer" min="-2.14748E9" max="2.14748E9" units="cm"/>
+          <inkml:channel name="F" type="integer" max="32767" units="dev"/>
+        </inkml:traceFormat>
+        <inkml:channelProperties>
+          <inkml:channelProperty channel="X" name="resolution" value="1000" units="1/cm"/>
+          <inkml:channelProperty channel="Y" name="resolution" value="1000" units="1/cm"/>
+          <inkml:channelProperty channel="F" name="resolution" value="0" units="1/dev"/>
+        </inkml:channelProperties>
+      </inkml:inkSource>
+      <inkml:timestamp xml:id="ts0" timeString="2022-11-10T02:00:06.189"/>
+    </inkml:context>
+    <inkml:brush xml:id="br0">
+      <inkml:brushProperty name="width" value="0.05292" units="cm"/>
+      <inkml:brushProperty name="height" value="0.05292" units="cm"/>
+      <inkml:brushProperty name="color" value="#FF0000"/>
+    </inkml:brush>
+  </inkml:definitions>
+  <inkml:trace contextRef="#ctx0" brushRef="#br0">16211 16521 24575,'0'38'0,"0"3"0,0 3 0,0 4 0,0 1 0,0 0 0,0-4 0,0-9 0,0-9 0,0-7 0,0-13 0,0-2 0,0-14 0,3-9 0,4-11 0,5-12 0,5-9 0,5-7 0,7-1 0,3 4 0,0 11 0,-2 7 0,-3 11 0,-2 5 0,-1 4 0,-1 6 0,-1 1 0,-3 3 0,-1 3 0,1 2 0,-2 1 0,-1 1 0,-1 9 0,-2 11 0,2 14 0,-2 11 0,-4 4 0,-4 3 0,-3 0 0,-2-5 0,0-6 0,0-8 0,0-8 0,0-5 0,0-7 0,0-3 0,0-5 0,0-3 0</inkml:trace>
+  <inkml:trace contextRef="#ctx0" brushRef="#br0" timeOffset="871">16966 16382 24575,'-4'-3'0,"2"9"0,2 10 0,0 7 0,0 2 0,0 3 0,0 2 0,0 3 0,0 1 0,0-5 0,0-6 0,0-6 0,0-2 0,0-3 0,0 1 0,0-5 0,0-2 0,0-5 0</inkml:trace>
+  <inkml:trace contextRef="#ctx0" brushRef="#br0" timeOffset="2051">17007 16925 24575,'0'11'0,"0"-4"0,-2 2 0,-4-4 0,-4 0 0,-4-2 0,-2-2 0,8-1 0,-1-1 0,7-2 0,1-1 0,5-1 0,3 2 0,1 2 0,-2 1 0,-3 0 0</inkml:trace>
+  <inkml:trace contextRef="#ctx0" brushRef="#br0" timeOffset="2967">17432 16491 24575,'16'0'0,"2"0"0,2 0 0,1 0 0,2 0 0,1 0 0,3 0 0,-2 0 0,-1 0 0,-4 0 0,-2 0 0,0 0 0,-9 0 0,0 0 0</inkml:trace>
+  <inkml:trace contextRef="#ctx0" brushRef="#br0" timeOffset="4001">17429 16772 24575,'14'0'0,"4"0"0,3 0 0,6 0 0,4 0 0,5 0 0,4 0 0,1 0 0,2 0 0,-4 0 0,-4 0 0,-6 1 0,-8 1 0,-4 0 0,-3 1 0,-4-1 0,-2 0 0,-3-2 0,-3 0 0,-1 0 0</inkml:trace>
+  <inkml:trace contextRef="#ctx0" brushRef="#br0" timeOffset="7036">18233 16535 24575,'-4'4'0,"1"6"0,3 9 0,0 10 0,0 7 0,0 5 0,0 1 0,0 0 0,1-3 0,3-3 0,2-3 0,4-5 0,2-1 0,1-2 0,1 0 0,1-3 0,0-3 0,1-5 0,2-1 0,-1-2 0,-7-4 0,-2-2 0</inkml:trace>
+  <inkml:trace contextRef="#ctx0" brushRef="#br0" timeOffset="8500">19036 16385 24575,'11'0'0,"2"0"0,1 0 0,5 1 0,7 5 0,6 8 0,3 8 0,2 6 0,-2 2 0,-2 0 0,-5 1 0,-3-1 0,-5-2 0,-3 0 0,-2-2 0,-1 0 0,-2-1 0,-2 1 0,-4 2 0,-1-1 0,-1 1 0,-3 2 0,1 1 0,-2 1 0,0-2 0,0-3 0,0-5 0,-1-5 0,-2-4 0,-1-3 0,-2-4 0,-1-1 0,1-1 0,-2-1 0,0 2 0,0-2 0,-3 1 0,6-2 0,-1 0 0</inkml:trace>
+  <inkml:trace contextRef="#ctx0" brushRef="#br0" timeOffset="9936">19687 16373 24575,'0'12'0,"0"7"0,0 9 0,-1 5 0,-1 4 0,0-2 0,-2 1 0,2-2 0,0-3 0,1-1 0,1-3 0,0 1 0,0-2 0,0-2 0,0-1 0,0-2 0,3 1 0,2-2 0,4-1 0,2-1 0,1 1 0,2 1 0,-1-1 0,-1-2 0,1-2 0,0-1 0,-2-1 0,0-2 0,-1-3 0,1-4 0,-1-2 0,-2-2 0,-2 0 0,-3 0 0,-1 0 0</inkml:trace>
+  <inkml:trace contextRef="#ctx0" brushRef="#br0" timeOffset="11737">20000 16545 24575,'0'8'0,"0"5"0,0 9 0,0 8 0,1 6 0,3-1 0,3 0 0,1-2 0,-1-2 0,-1 0 0,-2-2 0,-2-3 0,-1-2 0,-1-6 0,0 1 0,0-11 0,0-7 0,1-16 0,4-13 0,6-9 0,5-7 0,7-3 0,3-2 0,2-1 0,0 1 0,-3 6 0,-4 7 0,-2 11 0,-4 11 0,-1 8 0,1 4 0,-1 2 0,0 0 0,0 4 0,-1 5 0,0 6 0,-1 8 0,-2 5 0,-1 4 0,-1 0 0,-3 2 0,-1-2 0,-1-4 0,-2-2 0,1-7 0,0-3 0,0 0 0,-1-8 0,2-1 0,-3-5 0</inkml:trace>
+  <inkml:trace contextRef="#ctx0" brushRef="#br0" timeOffset="12837">20703 16730 24575,'4'-4'0,"9"2"0,15 2 0,12 0 0,7-4 0,2 0 0,-3-1 0,-5-1 0,-8 3 0,-7 0 0,-5 1 0,-5-1 0,-1 1 0,-3 0 0,0 1 0,3 1 0,-8 0 0,1 0 0</inkml:trace>
+  <inkml:trace contextRef="#ctx0" brushRef="#br0" timeOffset="13833">21271 16465 24575,'0'10'0,"0"7"0,0 8 0,0 8 0,0 5 0,0 4 0,0 4 0,0 2 0,0-3 0,2-7 0,-1-9 0,1-8 0,-1-7 0,-1-2 0,0-6 0,0-3 0</inkml:trace>
+  <inkml:trace contextRef="#ctx0" brushRef="#br0" timeOffset="15234">21557 16172 24575,'10'0'0,"3"1"0,9 6 0,5 6 0,2 7 0,0 5 0,0 1 0,-3 1 0,-2 3 0,-3 2 0,-3 3 0,-2-1 0,-4 2 0,-3-1 0,-2-1 0,-4-1 0,-1-4 0,-1-3 0,-1-3 0,0 1 0,0 2 0,0 1 0,-1-1 0,-4 0 0,-5 0 0,-5 0 0,-4 2 0,-3 0 0,-1 0 0,-2-2 0,0-1 0,1-5 0,0-6 0,5-5 0,1-5 0,8-3 0,3-1 0,5 0 0</inkml:trace>
+  <inkml:trace contextRef="#ctx0" brushRef="#br0" timeOffset="16122">22129 16276 24575,'0'15'0,"0"9"0,0 15 0,0 8 0,0 6 0,0 2 0,1 0 0,2-1 0,3-9 0,-1-10 0,0-11 0,-4-12 0,-1-5 0</inkml:trace>
+  <inkml:trace contextRef="#ctx0" brushRef="#br0" timeOffset="17052">22138 17011 24575,'0'-7'0,"0"1"0,0 3 0,0 2 0</inkml:trace>
+  <inkml:trace contextRef="#ctx0" brushRef="#br0" timeOffset="18967">18582 16587 24575,'0'31'0,"0"4"0,0 10 0,0 5 0,0-2 0,0-3 0,0-8 0,0-9 0,0-7 0,0-5 0,0-6 0,0-6 0,0-4 0,0-8 0,0-7 0,2-10 0,5-13 0,4-7 0,3 0 0,1 5 0,-1 8 0,-1 9 0,0 6 0,1 5 0,1 4 0,-1 2 0,0-1 0,-1 1 0,-1 2 0,1 1 0,2 1 0,2 2 0,2 0 0,0 0 0,0 0 0,0 1 0,-1 4 0,-2 5 0,-1 8 0,-2 7 0,0 5 0,-2 7 0,-2 4 0,-3 2 0,-1 1 0,0-4 0,-1-2 0,0-6 0,-3-7 0,0-6 0,0-11 0,0-2 0</inkml:trace>
+</inkml:ink>
 </file>
 
 <file path=ppt/slideLayouts/slideLayout1.xml><?xml version="1.0" encoding="utf-8"?>
@@ -294,7 +451,7 @@
           <a:p>
             <a:fld id="{524C6359-9BB8-4148-8114-537E698DA205}" type="datetime1">
               <a:rPr lang="en-US" smtClean="0"/>
-              <a:t>8/25/22</a:t>
+              <a:t>11/9/22</a:t>
             </a:fld>
             <a:endParaRPr lang="en-US" dirty="0"/>
           </a:p>
@@ -1354,7 +1511,7 @@
           <a:p>
             <a:fld id="{A4649BD0-10DB-43E7-8F22-40B3D51B8FC3}" type="datetime1">
               <a:rPr lang="en-US" smtClean="0"/>
-              <a:t>8/25/22</a:t>
+              <a:t>11/9/22</a:t>
             </a:fld>
             <a:endParaRPr lang="en-US"/>
           </a:p>
@@ -2415,7 +2572,7 @@
           <a:p>
             <a:fld id="{0A16C79C-F566-427A-93F6-434A4E613134}" type="datetime1">
               <a:rPr lang="en-US" smtClean="0"/>
-              <a:t>8/25/22</a:t>
+              <a:t>11/9/22</a:t>
             </a:fld>
             <a:endParaRPr lang="en-US"/>
           </a:p>
@@ -3471,7 +3628,7 @@
           <a:p>
             <a:fld id="{9376191F-481E-48E9-BB9A-369A67A7362D}" type="datetime1">
               <a:rPr lang="en-US" smtClean="0"/>
-              <a:t>8/25/22</a:t>
+              <a:t>11/9/22</a:t>
             </a:fld>
             <a:endParaRPr lang="en-US" dirty="0"/>
           </a:p>
@@ -4600,7 +4757,7 @@
           <a:p>
             <a:fld id="{6C5677DE-DD04-48CC-9C18-7BE9FF2DEB6B}" type="datetime1">
               <a:rPr lang="en-US" smtClean="0"/>
-              <a:t>8/25/22</a:t>
+              <a:t>11/9/22</a:t>
             </a:fld>
             <a:endParaRPr lang="en-US"/>
           </a:p>
@@ -5719,7 +5876,7 @@
           <a:p>
             <a:fld id="{463255ED-7101-4D18-A8AE-3B5E4CB87EA5}" type="datetime1">
               <a:rPr lang="en-US" smtClean="0"/>
-              <a:t>8/25/22</a:t>
+              <a:t>11/9/22</a:t>
             </a:fld>
             <a:endParaRPr lang="en-US"/>
           </a:p>
@@ -7025,7 +7182,7 @@
           <a:p>
             <a:fld id="{CD52F23D-51F6-4C94-8CD5-B9ABBF67EE23}" type="datetime1">
               <a:rPr lang="en-US" smtClean="0"/>
-              <a:t>8/25/22</a:t>
+              <a:t>11/9/22</a:t>
             </a:fld>
             <a:endParaRPr lang="en-US"/>
           </a:p>
@@ -7172,7 +7329,7 @@
           <a:p>
             <a:fld id="{D51A702F-6367-4FD1-89A8-3744BE6BA9A2}" type="datetime1">
               <a:rPr lang="en-US" smtClean="0"/>
-              <a:t>8/25/22</a:t>
+              <a:t>11/9/22</a:t>
             </a:fld>
             <a:endParaRPr lang="en-US"/>
           </a:p>
@@ -8136,7 +8293,7 @@
           <a:p>
             <a:fld id="{4A6E99BD-4B4F-4460-B452-0E8146ACCF8F}" type="datetime1">
               <a:rPr lang="en-US" smtClean="0"/>
-              <a:t>8/25/22</a:t>
+              <a:t>11/9/22</a:t>
             </a:fld>
             <a:endParaRPr lang="en-US"/>
           </a:p>
@@ -8455,7 +8612,7 @@
           <a:p>
             <a:fld id="{EB6FD34C-1867-42A9-AC54-D15ADD8A65E7}" type="datetime1">
               <a:rPr lang="en-US" smtClean="0"/>
-              <a:t>8/25/22</a:t>
+              <a:t>11/9/22</a:t>
             </a:fld>
             <a:endParaRPr lang="en-US"/>
           </a:p>
@@ -9603,7 +9760,7 @@
           <a:p>
             <a:fld id="{336133E9-A654-4C17-8C3C-DDCAC83D6EBF}" type="datetime1">
               <a:rPr lang="en-US" smtClean="0"/>
-              <a:t>8/25/22</a:t>
+              <a:t>11/9/22</a:t>
             </a:fld>
             <a:endParaRPr lang="en-US"/>
           </a:p>
@@ -12013,7 +12170,7 @@
           <a:p>
             <a:fld id="{8769D389-4C4C-4FD7-9E6B-9F44477F0EB8}" type="datetime1">
               <a:rPr lang="en-US" smtClean="0"/>
-              <a:t>8/25/22</a:t>
+              <a:t>11/9/22</a:t>
             </a:fld>
             <a:endParaRPr lang="en-US" dirty="0"/>
           </a:p>
@@ -15894,6 +16051,57 @@
           </a:prstGeom>
         </p:spPr>
       </p:pic>
+      <mc:AlternateContent xmlns:mc="http://schemas.openxmlformats.org/markup-compatibility/2006">
+        <mc:Choice xmlns:p14="http://schemas.microsoft.com/office/powerpoint/2010/main" Requires="p14">
+          <p:contentPart p14:bwMode="auto" r:id="rId3">
+            <p14:nvContentPartPr>
+              <p14:cNvPr id="3" name="Ink 2">
+                <a:extLst>
+                  <a:ext uri="{FF2B5EF4-FFF2-40B4-BE49-F238E27FC236}">
+                    <a16:creationId xmlns:a16="http://schemas.microsoft.com/office/drawing/2014/main" id="{CC6C1FFC-5E89-0A48-BE60-F0998DF1E352}"/>
+                  </a:ext>
+                </a:extLst>
+              </p14:cNvPr>
+              <p14:cNvContentPartPr/>
+              <p14:nvPr/>
+            </p14:nvContentPartPr>
+            <p14:xfrm>
+              <a:off x="4402800" y="563760"/>
+              <a:ext cx="6916680" cy="3387960"/>
+            </p14:xfrm>
+          </p:contentPart>
+        </mc:Choice>
+        <mc:Fallback>
+          <p:pic>
+            <p:nvPicPr>
+              <p:cNvPr id="3" name="Ink 2">
+                <a:extLst>
+                  <a:ext uri="{FF2B5EF4-FFF2-40B4-BE49-F238E27FC236}">
+                    <a16:creationId xmlns:a16="http://schemas.microsoft.com/office/drawing/2014/main" id="{CC6C1FFC-5E89-0A48-BE60-F0998DF1E352}"/>
+                  </a:ext>
+                </a:extLst>
+              </p:cNvPr>
+              <p:cNvPicPr/>
+              <p:nvPr/>
+            </p:nvPicPr>
+            <p:blipFill>
+              <a:blip r:embed="rId4"/>
+              <a:stretch>
+                <a:fillRect/>
+              </a:stretch>
+            </p:blipFill>
+            <p:spPr>
+              <a:xfrm>
+                <a:off x="4393440" y="554400"/>
+                <a:ext cx="6935400" cy="3406680"/>
+              </a:xfrm>
+              <a:prstGeom prst="rect">
+                <a:avLst/>
+              </a:prstGeom>
+            </p:spPr>
+          </p:pic>
+        </mc:Fallback>
+      </mc:AlternateContent>
     </p:spTree>
     <p:extLst>
       <p:ext uri="{BB962C8B-B14F-4D97-AF65-F5344CB8AC3E}">
@@ -16466,6 +16674,57 @@
           </a:prstGeom>
         </p:spPr>
       </p:pic>
+      <mc:AlternateContent xmlns:mc="http://schemas.openxmlformats.org/markup-compatibility/2006">
+        <mc:Choice xmlns:p14="http://schemas.microsoft.com/office/powerpoint/2010/main" Requires="p14">
+          <p:contentPart p14:bwMode="auto" r:id="rId3">
+            <p14:nvContentPartPr>
+              <p14:cNvPr id="2" name="Ink 1">
+                <a:extLst>
+                  <a:ext uri="{FF2B5EF4-FFF2-40B4-BE49-F238E27FC236}">
+                    <a16:creationId xmlns:a16="http://schemas.microsoft.com/office/drawing/2014/main" id="{186178F1-D722-3845-B579-1C3627216098}"/>
+                  </a:ext>
+                </a:extLst>
+              </p14:cNvPr>
+              <p14:cNvContentPartPr/>
+              <p14:nvPr/>
+            </p14:nvContentPartPr>
+            <p14:xfrm>
+              <a:off x="6698520" y="1107720"/>
+              <a:ext cx="4192200" cy="3503880"/>
+            </p14:xfrm>
+          </p:contentPart>
+        </mc:Choice>
+        <mc:Fallback>
+          <p:pic>
+            <p:nvPicPr>
+              <p:cNvPr id="2" name="Ink 1">
+                <a:extLst>
+                  <a:ext uri="{FF2B5EF4-FFF2-40B4-BE49-F238E27FC236}">
+                    <a16:creationId xmlns:a16="http://schemas.microsoft.com/office/drawing/2014/main" id="{186178F1-D722-3845-B579-1C3627216098}"/>
+                  </a:ext>
+                </a:extLst>
+              </p:cNvPr>
+              <p:cNvPicPr/>
+              <p:nvPr/>
+            </p:nvPicPr>
+            <p:blipFill>
+              <a:blip r:embed="rId4"/>
+              <a:stretch>
+                <a:fillRect/>
+              </a:stretch>
+            </p:blipFill>
+            <p:spPr>
+              <a:xfrm>
+                <a:off x="6689160" y="1098360"/>
+                <a:ext cx="4210920" cy="3522600"/>
+              </a:xfrm>
+              <a:prstGeom prst="rect">
+                <a:avLst/>
+              </a:prstGeom>
+            </p:spPr>
+          </p:pic>
+        </mc:Fallback>
+      </mc:AlternateContent>
     </p:spTree>
     <p:extLst>
       <p:ext uri="{BB962C8B-B14F-4D97-AF65-F5344CB8AC3E}">
@@ -16666,6 +16925,57 @@
           </a:prstGeom>
         </p:spPr>
       </p:pic>
+      <mc:AlternateContent xmlns:mc="http://schemas.openxmlformats.org/markup-compatibility/2006">
+        <mc:Choice xmlns:p14="http://schemas.microsoft.com/office/powerpoint/2010/main" Requires="p14">
+          <p:contentPart p14:bwMode="auto" r:id="rId3">
+            <p14:nvContentPartPr>
+              <p14:cNvPr id="5" name="Ink 4">
+                <a:extLst>
+                  <a:ext uri="{FF2B5EF4-FFF2-40B4-BE49-F238E27FC236}">
+                    <a16:creationId xmlns:a16="http://schemas.microsoft.com/office/drawing/2014/main" id="{A6488D07-C0AC-3341-957A-29473A035123}"/>
+                  </a:ext>
+                </a:extLst>
+              </p14:cNvPr>
+              <p14:cNvContentPartPr/>
+              <p14:nvPr/>
+            </p14:nvContentPartPr>
+            <p14:xfrm>
+              <a:off x="5835960" y="5821920"/>
+              <a:ext cx="2138400" cy="321840"/>
+            </p14:xfrm>
+          </p:contentPart>
+        </mc:Choice>
+        <mc:Fallback>
+          <p:pic>
+            <p:nvPicPr>
+              <p:cNvPr id="5" name="Ink 4">
+                <a:extLst>
+                  <a:ext uri="{FF2B5EF4-FFF2-40B4-BE49-F238E27FC236}">
+                    <a16:creationId xmlns:a16="http://schemas.microsoft.com/office/drawing/2014/main" id="{A6488D07-C0AC-3341-957A-29473A035123}"/>
+                  </a:ext>
+                </a:extLst>
+              </p:cNvPr>
+              <p:cNvPicPr/>
+              <p:nvPr/>
+            </p:nvPicPr>
+            <p:blipFill>
+              <a:blip r:embed="rId4"/>
+              <a:stretch>
+                <a:fillRect/>
+              </a:stretch>
+            </p:blipFill>
+            <p:spPr>
+              <a:xfrm>
+                <a:off x="5826600" y="5812560"/>
+                <a:ext cx="2157120" cy="340560"/>
+              </a:xfrm>
+              <a:prstGeom prst="rect">
+                <a:avLst/>
+              </a:prstGeom>
+            </p:spPr>
+          </p:pic>
+        </mc:Fallback>
+      </mc:AlternateContent>
     </p:spTree>
     <p:extLst>
       <p:ext uri="{BB962C8B-B14F-4D97-AF65-F5344CB8AC3E}">
